--- a/presentation/presentation1.pptx
+++ b/presentation/presentation1.pptx
@@ -15,19 +15,22 @@
     <p:sldId id="312" r:id="rId8"/>
     <p:sldId id="313" r:id="rId9"/>
     <p:sldId id="314" r:id="rId10"/>
-    <p:sldId id="271" r:id="rId11"/>
-    <p:sldId id="328" r:id="rId12"/>
-    <p:sldId id="329" r:id="rId13"/>
-    <p:sldId id="330" r:id="rId14"/>
-    <p:sldId id="343" r:id="rId15"/>
-    <p:sldId id="342" r:id="rId16"/>
-    <p:sldId id="358" r:id="rId17"/>
-    <p:sldId id="261" r:id="rId18"/>
-    <p:sldId id="262" r:id="rId19"/>
-    <p:sldId id="263" r:id="rId20"/>
-    <p:sldId id="267" r:id="rId21"/>
-    <p:sldId id="273" r:id="rId22"/>
-    <p:sldId id="344" r:id="rId23"/>
+    <p:sldId id="365" r:id="rId11"/>
+    <p:sldId id="366" r:id="rId12"/>
+    <p:sldId id="328" r:id="rId13"/>
+    <p:sldId id="329" r:id="rId14"/>
+    <p:sldId id="330" r:id="rId15"/>
+    <p:sldId id="343" r:id="rId16"/>
+    <p:sldId id="342" r:id="rId17"/>
+    <p:sldId id="358" r:id="rId18"/>
+    <p:sldId id="379" r:id="rId19"/>
+    <p:sldId id="380" r:id="rId20"/>
+    <p:sldId id="261" r:id="rId21"/>
+    <p:sldId id="262" r:id="rId22"/>
+    <p:sldId id="263" r:id="rId23"/>
+    <p:sldId id="267" r:id="rId24"/>
+    <p:sldId id="273" r:id="rId25"/>
+    <p:sldId id="344" r:id="rId26"/>
   </p:sldIdLst>
   <p:sldSz cx="12192000" cy="6858000"/>
   <p:notesSz cx="6858000" cy="9144000"/>
@@ -138,7 +141,8 @@
             <p14:sldId id="312"/>
             <p14:sldId id="313"/>
             <p14:sldId id="314"/>
-            <p14:sldId id="271"/>
+            <p14:sldId id="365"/>
+            <p14:sldId id="366"/>
             <p14:sldId id="328"/>
             <p14:sldId id="329"/>
           </p14:sldIdLst>
@@ -149,12 +153,14 @@
             <p14:sldId id="343"/>
             <p14:sldId id="342"/>
             <p14:sldId id="358"/>
+            <p14:sldId id="379"/>
+            <p14:sldId id="380"/>
             <p14:sldId id="261"/>
             <p14:sldId id="262"/>
             <p14:sldId id="263"/>
+            <p14:sldId id="267"/>
             <p14:sldId id="273"/>
             <p14:sldId id="344"/>
-            <p14:sldId id="267"/>
           </p14:sldIdLst>
         </p14:section>
       </p14:sectionLst>
@@ -17643,6 +17649,103 @@
           <a:p>
             <a:r>
               <a:rPr lang="en-US"/>
+              <a:t>login page </a:t>
+            </a:r>
+            <a:endParaRPr lang="en-US"/>
+          </a:p>
+        </p:txBody>
+      </p:sp>
+      <p:pic>
+        <p:nvPicPr>
+          <p:cNvPr id="6" name="Content Placeholder 5" descr="Screenshot 2023-03-19 160819"/>
+          <p:cNvPicPr>
+            <a:picLocks noChangeAspect="1"/>
+          </p:cNvPicPr>
+          <p:nvPr>
+            <p:ph idx="1"/>
+          </p:nvPr>
+        </p:nvPicPr>
+        <p:blipFill>
+          <a:blip r:embed="rId1"/>
+          <a:stretch>
+            <a:fillRect/>
+          </a:stretch>
+        </p:blipFill>
+        <p:spPr>
+          <a:xfrm>
+            <a:off x="1063625" y="1600200"/>
+            <a:ext cx="10064115" cy="4526280"/>
+          </a:xfrm>
+          <a:prstGeom prst="rect">
+            <a:avLst/>
+          </a:prstGeom>
+        </p:spPr>
+      </p:pic>
+      <p:sp>
+        <p:nvSpPr>
+          <p:cNvPr id="3" name="Text Box 2"/>
+          <p:cNvSpPr txBox="1"/>
+          <p:nvPr/>
+        </p:nvSpPr>
+        <p:spPr>
+          <a:xfrm>
+            <a:off x="4785360" y="6308725"/>
+            <a:ext cx="2087880" cy="368300"/>
+          </a:xfrm>
+          <a:prstGeom prst="rect">
+            <a:avLst/>
+          </a:prstGeom>
+          <a:noFill/>
+        </p:spPr>
+        <p:txBody>
+          <a:bodyPr wrap="none" rtlCol="0" anchor="t">
+            <a:spAutoFit/>
+          </a:bodyPr>
+          <a:p>
+            <a:r>
+              <a:rPr lang="en-US">
+                <a:sym typeface="+mn-ea"/>
+              </a:rPr>
+              <a:t>Figure: Login page</a:t>
+            </a:r>
+            <a:endParaRPr lang="en-US"/>
+          </a:p>
+        </p:txBody>
+      </p:sp>
+    </p:spTree>
+  </p:cSld>
+  <p:clrMapOvr>
+    <a:masterClrMapping/>
+  </p:clrMapOvr>
+</p:sld>
+</file>
+
+<file path=ppt/slides/slide11.xml><?xml version="1.0" encoding="utf-8"?>
+<p:sld xmlns:a="http://schemas.openxmlformats.org/drawingml/2006/main" xmlns:r="http://schemas.openxmlformats.org/officeDocument/2006/relationships" xmlns:p="http://schemas.openxmlformats.org/presentationml/2006/main">
+  <p:cSld>
+    <p:spTree>
+      <p:nvGrpSpPr>
+        <p:cNvPr id="1" name=""/>
+        <p:cNvGrpSpPr/>
+        <p:nvPr/>
+      </p:nvGrpSpPr>
+      <p:grpSpPr/>
+      <p:sp>
+        <p:nvSpPr>
+          <p:cNvPr id="2" name="Title 1"/>
+          <p:cNvSpPr>
+            <a:spLocks noGrp="1"/>
+          </p:cNvSpPr>
+          <p:nvPr>
+            <p:ph type="title"/>
+          </p:nvPr>
+        </p:nvSpPr>
+        <p:spPr/>
+        <p:txBody>
+          <a:bodyPr/>
+          <a:p>
+            <a:r>
+              <a:rPr lang="en-US"/>
               <a:t>Home page </a:t>
             </a:r>
             <a:endParaRPr lang="en-US"/>
@@ -17714,7 +17817,7 @@
 </p:sld>
 </file>
 
-<file path=ppt/slides/slide11.xml><?xml version="1.0" encoding="utf-8"?>
+<file path=ppt/slides/slide12.xml><?xml version="1.0" encoding="utf-8"?>
 <p:sld xmlns:a="http://schemas.openxmlformats.org/drawingml/2006/main" xmlns:r="http://schemas.openxmlformats.org/officeDocument/2006/relationships" xmlns:p="http://schemas.openxmlformats.org/presentationml/2006/main">
   <p:cSld>
     <p:spTree>
@@ -17811,7 +17914,7 @@
 </p:sld>
 </file>
 
-<file path=ppt/slides/slide12.xml><?xml version="1.0" encoding="utf-8"?>
+<file path=ppt/slides/slide13.xml><?xml version="1.0" encoding="utf-8"?>
 <p:sld xmlns:a="http://schemas.openxmlformats.org/drawingml/2006/main" xmlns:r="http://schemas.openxmlformats.org/officeDocument/2006/relationships" xmlns:p="http://schemas.openxmlformats.org/presentationml/2006/main">
   <p:cSld>
     <p:spTree>
@@ -17843,32 +17946,6 @@
           </a:p>
         </p:txBody>
       </p:sp>
-      <p:pic>
-        <p:nvPicPr>
-          <p:cNvPr id="4" name="Content Placeholder 3" descr="Screenshot 2023-03-19 160926"/>
-          <p:cNvPicPr>
-            <a:picLocks noChangeAspect="1"/>
-          </p:cNvPicPr>
-          <p:nvPr>
-            <p:ph idx="1"/>
-          </p:nvPr>
-        </p:nvPicPr>
-        <p:blipFill>
-          <a:blip r:embed="rId1"/>
-          <a:stretch>
-            <a:fillRect/>
-          </a:stretch>
-        </p:blipFill>
-        <p:spPr>
-          <a:xfrm>
-            <a:off x="1096010" y="1417955"/>
-            <a:ext cx="9999980" cy="4526280"/>
-          </a:xfrm>
-          <a:prstGeom prst="rect">
-            <a:avLst/>
-          </a:prstGeom>
-        </p:spPr>
-      </p:pic>
       <p:sp>
         <p:nvSpPr>
           <p:cNvPr id="5" name="Text Box 4"/>
@@ -17900,6 +17977,32 @@
           </a:p>
         </p:txBody>
       </p:sp>
+      <p:pic>
+        <p:nvPicPr>
+          <p:cNvPr id="6" name="Content Placeholder 5" descr="Screenshot 2023-05-12 234639"/>
+          <p:cNvPicPr>
+            <a:picLocks noChangeAspect="1"/>
+          </p:cNvPicPr>
+          <p:nvPr>
+            <p:ph idx="1"/>
+          </p:nvPr>
+        </p:nvPicPr>
+        <p:blipFill>
+          <a:blip r:embed="rId1"/>
+          <a:stretch>
+            <a:fillRect/>
+          </a:stretch>
+        </p:blipFill>
+        <p:spPr>
+          <a:xfrm>
+            <a:off x="609600" y="1682115"/>
+            <a:ext cx="10487025" cy="4168140"/>
+          </a:xfrm>
+          <a:prstGeom prst="rect">
+            <a:avLst/>
+          </a:prstGeom>
+        </p:spPr>
+      </p:pic>
     </p:spTree>
   </p:cSld>
   <p:clrMapOvr>
@@ -17908,7 +18011,7 @@
 </p:sld>
 </file>
 
-<file path=ppt/slides/slide13.xml><?xml version="1.0" encoding="utf-8"?>
+<file path=ppt/slides/slide14.xml><?xml version="1.0" encoding="utf-8"?>
 <p:sld xmlns:a="http://schemas.openxmlformats.org/drawingml/2006/main" xmlns:r="http://schemas.openxmlformats.org/officeDocument/2006/relationships" xmlns:p="http://schemas.openxmlformats.org/presentationml/2006/main">
   <p:cSld>
     <p:spTree>
@@ -18003,7 +18106,7 @@
 </p:sld>
 </file>
 
-<file path=ppt/slides/slide14.xml><?xml version="1.0" encoding="utf-8"?>
+<file path=ppt/slides/slide15.xml><?xml version="1.0" encoding="utf-8"?>
 <p:sld xmlns:a="http://schemas.openxmlformats.org/drawingml/2006/main" xmlns:r="http://schemas.openxmlformats.org/officeDocument/2006/relationships" xmlns:p="http://schemas.openxmlformats.org/presentationml/2006/main">
   <p:cSld>
     <p:spTree>
@@ -18023,7 +18126,12 @@
             <p:ph type="title"/>
           </p:nvPr>
         </p:nvSpPr>
-        <p:spPr/>
+        <p:spPr>
+          <a:xfrm>
+            <a:off x="618490" y="244158"/>
+            <a:ext cx="10972800" cy="1143000"/>
+          </a:xfrm>
+        </p:spPr>
         <p:txBody>
           <a:bodyPr/>
           <a:p>
@@ -18061,6 +18169,37 @@
           </a:prstGeom>
         </p:spPr>
       </p:pic>
+      <p:sp>
+        <p:nvSpPr>
+          <p:cNvPr id="3" name="Text Box 2"/>
+          <p:cNvSpPr txBox="1"/>
+          <p:nvPr/>
+        </p:nvSpPr>
+        <p:spPr>
+          <a:xfrm>
+            <a:off x="4349750" y="5516245"/>
+            <a:ext cx="2811780" cy="368300"/>
+          </a:xfrm>
+          <a:prstGeom prst="rect">
+            <a:avLst/>
+          </a:prstGeom>
+          <a:noFill/>
+        </p:spPr>
+        <p:txBody>
+          <a:bodyPr wrap="none" rtlCol="0" anchor="t">
+            <a:spAutoFit/>
+          </a:bodyPr>
+          <a:p>
+            <a:r>
+              <a:rPr lang="en-US">
+                <a:sym typeface="+mn-ea"/>
+              </a:rPr>
+              <a:t>Figure: Snake game page</a:t>
+            </a:r>
+            <a:endParaRPr lang="en-US"/>
+          </a:p>
+        </p:txBody>
+      </p:sp>
     </p:spTree>
   </p:cSld>
   <p:clrMapOvr>
@@ -18069,7 +18208,203 @@
 </p:sld>
 </file>
 
-<file path=ppt/slides/slide15.xml><?xml version="1.0" encoding="utf-8"?>
+<file path=ppt/slides/slide16.xml><?xml version="1.0" encoding="utf-8"?>
+<p:sld xmlns:a="http://schemas.openxmlformats.org/drawingml/2006/main" xmlns:r="http://schemas.openxmlformats.org/officeDocument/2006/relationships" xmlns:p="http://schemas.openxmlformats.org/presentationml/2006/main">
+  <p:cSld>
+    <p:spTree>
+      <p:nvGrpSpPr>
+        <p:cNvPr id="1" name=""/>
+        <p:cNvGrpSpPr/>
+        <p:nvPr/>
+      </p:nvGrpSpPr>
+      <p:grpSpPr/>
+      <p:sp>
+        <p:nvSpPr>
+          <p:cNvPr id="2" name="Title 1"/>
+          <p:cNvSpPr>
+            <a:spLocks noGrp="1"/>
+          </p:cNvSpPr>
+          <p:nvPr>
+            <p:ph type="title"/>
+          </p:nvPr>
+        </p:nvSpPr>
+        <p:spPr/>
+        <p:txBody>
+          <a:bodyPr/>
+          <a:p>
+            <a:r>
+              <a:rPr lang="en-US" u="sng">
+                <a:sym typeface="+mn-ea"/>
+              </a:rPr>
+              <a:t>Admin panel login</a:t>
+            </a:r>
+            <a:endParaRPr lang="en-US" u="sng"/>
+          </a:p>
+        </p:txBody>
+      </p:sp>
+      <p:pic>
+        <p:nvPicPr>
+          <p:cNvPr id="4" name="Content Placeholder 3" descr="Screenshot 2023-05-13 005848"/>
+          <p:cNvPicPr>
+            <a:picLocks noChangeAspect="1"/>
+          </p:cNvPicPr>
+          <p:nvPr>
+            <p:ph idx="1"/>
+          </p:nvPr>
+        </p:nvPicPr>
+        <p:blipFill>
+          <a:blip r:embed="rId1"/>
+          <a:stretch>
+            <a:fillRect/>
+          </a:stretch>
+        </p:blipFill>
+        <p:spPr>
+          <a:xfrm>
+            <a:off x="1214755" y="1600200"/>
+            <a:ext cx="9565005" cy="4435475"/>
+          </a:xfrm>
+          <a:prstGeom prst="rect">
+            <a:avLst/>
+          </a:prstGeom>
+        </p:spPr>
+      </p:pic>
+      <p:sp>
+        <p:nvSpPr>
+          <p:cNvPr id="3" name="Text Box 2"/>
+          <p:cNvSpPr txBox="1"/>
+          <p:nvPr/>
+        </p:nvSpPr>
+        <p:spPr>
+          <a:xfrm>
+            <a:off x="4521835" y="6217920"/>
+            <a:ext cx="2849880" cy="368300"/>
+          </a:xfrm>
+          <a:prstGeom prst="rect">
+            <a:avLst/>
+          </a:prstGeom>
+          <a:noFill/>
+        </p:spPr>
+        <p:txBody>
+          <a:bodyPr wrap="none" rtlCol="0" anchor="t">
+            <a:spAutoFit/>
+          </a:bodyPr>
+          <a:p>
+            <a:r>
+              <a:rPr lang="en-US">
+                <a:sym typeface="+mn-ea"/>
+              </a:rPr>
+              <a:t>Figure:  Admin Panel login</a:t>
+            </a:r>
+            <a:endParaRPr lang="en-US"/>
+          </a:p>
+        </p:txBody>
+      </p:sp>
+    </p:spTree>
+  </p:cSld>
+  <p:clrMapOvr>
+    <a:masterClrMapping/>
+  </p:clrMapOvr>
+</p:sld>
+</file>
+
+<file path=ppt/slides/slide17.xml><?xml version="1.0" encoding="utf-8"?>
+<p:sld xmlns:a="http://schemas.openxmlformats.org/drawingml/2006/main" xmlns:r="http://schemas.openxmlformats.org/officeDocument/2006/relationships" xmlns:p="http://schemas.openxmlformats.org/presentationml/2006/main">
+  <p:cSld>
+    <p:spTree>
+      <p:nvGrpSpPr>
+        <p:cNvPr id="1" name=""/>
+        <p:cNvGrpSpPr/>
+        <p:nvPr/>
+      </p:nvGrpSpPr>
+      <p:grpSpPr/>
+      <p:sp>
+        <p:nvSpPr>
+          <p:cNvPr id="2" name="Title 1"/>
+          <p:cNvSpPr>
+            <a:spLocks noGrp="1"/>
+          </p:cNvSpPr>
+          <p:nvPr>
+            <p:ph type="title"/>
+          </p:nvPr>
+        </p:nvSpPr>
+        <p:spPr/>
+        <p:txBody>
+          <a:bodyPr/>
+          <a:p>
+            <a:r>
+              <a:rPr lang="en-US"/>
+              <a:t>Admin panel</a:t>
+            </a:r>
+            <a:endParaRPr lang="en-US"/>
+          </a:p>
+        </p:txBody>
+      </p:sp>
+      <p:pic>
+        <p:nvPicPr>
+          <p:cNvPr id="4" name="Content Placeholder 3" descr="Screenshot 2023-05-13 005904"/>
+          <p:cNvPicPr>
+            <a:picLocks noChangeAspect="1"/>
+          </p:cNvPicPr>
+          <p:nvPr>
+            <p:ph idx="1"/>
+          </p:nvPr>
+        </p:nvPicPr>
+        <p:blipFill>
+          <a:blip r:embed="rId1"/>
+          <a:stretch>
+            <a:fillRect/>
+          </a:stretch>
+        </p:blipFill>
+        <p:spPr>
+          <a:xfrm>
+            <a:off x="1231900" y="1600200"/>
+            <a:ext cx="9726930" cy="4526280"/>
+          </a:xfrm>
+          <a:prstGeom prst="rect">
+            <a:avLst/>
+          </a:prstGeom>
+        </p:spPr>
+      </p:pic>
+      <p:sp>
+        <p:nvSpPr>
+          <p:cNvPr id="3" name="Text Box 2"/>
+          <p:cNvSpPr txBox="1"/>
+          <p:nvPr/>
+        </p:nvSpPr>
+        <p:spPr>
+          <a:xfrm>
+            <a:off x="4389755" y="6308725"/>
+            <a:ext cx="2214880" cy="368300"/>
+          </a:xfrm>
+          <a:prstGeom prst="rect">
+            <a:avLst/>
+          </a:prstGeom>
+          <a:noFill/>
+        </p:spPr>
+        <p:txBody>
+          <a:bodyPr wrap="none" rtlCol="0" anchor="t">
+            <a:spAutoFit/>
+          </a:bodyPr>
+          <a:p>
+            <a:r>
+              <a:rPr lang="en-US">
+                <a:sym typeface="+mn-ea"/>
+              </a:rPr>
+              <a:t>Figure: Admin panel</a:t>
+            </a:r>
+            <a:endParaRPr lang="en-US"/>
+          </a:p>
+        </p:txBody>
+      </p:sp>
+    </p:spTree>
+  </p:cSld>
+  <p:clrMapOvr>
+    <a:masterClrMapping/>
+  </p:clrMapOvr>
+</p:sld>
+</file>
+
+<file path=ppt/slides/slide18.xml><?xml version="1.0" encoding="utf-8"?>
 <p:sld xmlns:a="http://schemas.openxmlformats.org/drawingml/2006/main" xmlns:r="http://schemas.openxmlformats.org/officeDocument/2006/relationships" xmlns:p="http://schemas.openxmlformats.org/presentationml/2006/main">
   <p:cSld>
     <p:spTree>
@@ -18173,7 +18508,7 @@
 </p:sld>
 </file>
 
-<file path=ppt/slides/slide16.xml><?xml version="1.0" encoding="utf-8"?>
+<file path=ppt/slides/slide19.xml><?xml version="1.0" encoding="utf-8"?>
 <p:sld xmlns:a="http://schemas.openxmlformats.org/drawingml/2006/main" xmlns:r="http://schemas.openxmlformats.org/officeDocument/2006/relationships" xmlns:p="http://schemas.openxmlformats.org/presentationml/2006/main">
   <p:cSld>
     <p:spTree>
@@ -18252,7 +18587,122 @@
 </p:sld>
 </file>
 
-<file path=ppt/slides/slide17.xml><?xml version="1.0" encoding="utf-8"?>
+<file path=ppt/slides/slide2.xml><?xml version="1.0" encoding="utf-8"?>
+<p:sld xmlns:a="http://schemas.openxmlformats.org/drawingml/2006/main" xmlns:r="http://schemas.openxmlformats.org/officeDocument/2006/relationships" xmlns:p="http://schemas.openxmlformats.org/presentationml/2006/main">
+  <p:cSld>
+    <p:spTree>
+      <p:nvGrpSpPr>
+        <p:cNvPr id="1" name=""/>
+        <p:cNvGrpSpPr/>
+        <p:nvPr/>
+      </p:nvGrpSpPr>
+      <p:grpSpPr/>
+      <p:sp>
+        <p:nvSpPr>
+          <p:cNvPr id="2" name="Title 1"/>
+          <p:cNvSpPr>
+            <a:spLocks noGrp="1"/>
+          </p:cNvSpPr>
+          <p:nvPr>
+            <p:ph type="title"/>
+          </p:nvPr>
+        </p:nvSpPr>
+        <p:spPr/>
+        <p:txBody>
+          <a:bodyPr/>
+          <a:p>
+            <a:r>
+              <a:rPr lang="en-US"/>
+              <a:t>Introduction</a:t>
+            </a:r>
+            <a:endParaRPr lang="en-US"/>
+          </a:p>
+        </p:txBody>
+      </p:sp>
+      <p:sp>
+        <p:nvSpPr>
+          <p:cNvPr id="3" name="Content Placeholder 2"/>
+          <p:cNvSpPr>
+            <a:spLocks noGrp="1"/>
+          </p:cNvSpPr>
+          <p:nvPr>
+            <p:ph idx="1"/>
+          </p:nvPr>
+        </p:nvSpPr>
+        <p:spPr/>
+        <p:txBody>
+          <a:bodyPr/>
+          <a:p>
+            <a:pPr marL="0" indent="0" algn="just">
+              <a:lnSpc>
+                <a:spcPct val="110000"/>
+              </a:lnSpc>
+              <a:buNone/>
+            </a:pPr>
+            <a:r>
+              <a:rPr lang="en-US" sz="2000"/>
+              <a:t>Our gaming website is a platform that offers players access to a wide range of online games, from action games to puzzle games .</a:t>
+            </a:r>
+            <a:endParaRPr lang="en-US" sz="2000"/>
+          </a:p>
+          <a:p>
+            <a:pPr marL="0" indent="0" algn="just">
+              <a:lnSpc>
+                <a:spcPct val="110000"/>
+              </a:lnSpc>
+              <a:buNone/>
+            </a:pPr>
+            <a:endParaRPr lang="en-US" sz="2000"/>
+          </a:p>
+          <a:p>
+            <a:pPr marL="0" indent="0" algn="just">
+              <a:lnSpc>
+                <a:spcPct val="110000"/>
+              </a:lnSpc>
+              <a:buNone/>
+            </a:pPr>
+            <a:r>
+              <a:rPr lang="en-US" sz="2000"/>
+              <a:t>The Snake Game project is one of the exciting projects we have been working on. Our version of the game will come with improved graphics, sound effects, and a user-friendly interface.</a:t>
+            </a:r>
+            <a:endParaRPr lang="en-US" sz="2000"/>
+          </a:p>
+        </p:txBody>
+      </p:sp>
+      <p:sp>
+        <p:nvSpPr>
+          <p:cNvPr id="4" name="Text Box 3"/>
+          <p:cNvSpPr txBox="1"/>
+          <p:nvPr/>
+        </p:nvSpPr>
+        <p:spPr>
+          <a:xfrm>
+            <a:off x="-162560" y="4222750"/>
+            <a:ext cx="309880" cy="368300"/>
+          </a:xfrm>
+          <a:prstGeom prst="rect">
+            <a:avLst/>
+          </a:prstGeom>
+          <a:noFill/>
+        </p:spPr>
+        <p:txBody>
+          <a:bodyPr wrap="none" rtlCol="0">
+            <a:spAutoFit/>
+          </a:bodyPr>
+          <a:p>
+            <a:endParaRPr lang="en-US"/>
+          </a:p>
+        </p:txBody>
+      </p:sp>
+    </p:spTree>
+  </p:cSld>
+  <p:clrMapOvr>
+    <a:masterClrMapping/>
+  </p:clrMapOvr>
+</p:sld>
+</file>
+
+<file path=ppt/slides/slide20.xml><?xml version="1.0" encoding="utf-8"?>
 <p:sld xmlns:a="http://schemas.openxmlformats.org/drawingml/2006/main" xmlns:r="http://schemas.openxmlformats.org/officeDocument/2006/relationships" xmlns:p="http://schemas.openxmlformats.org/presentationml/2006/main">
   <p:cSld>
     <p:spTree>
@@ -18337,7 +18787,7 @@
 </p:sld>
 </file>
 
-<file path=ppt/slides/slide18.xml><?xml version="1.0" encoding="utf-8"?>
+<file path=ppt/slides/slide21.xml><?xml version="1.0" encoding="utf-8"?>
 <p:sld xmlns:a="http://schemas.openxmlformats.org/drawingml/2006/main" xmlns:r="http://schemas.openxmlformats.org/officeDocument/2006/relationships" xmlns:p="http://schemas.openxmlformats.org/presentationml/2006/main">
   <p:cSld>
     <p:spTree>
@@ -18470,7 +18920,7 @@
 </p:sld>
 </file>
 
-<file path=ppt/slides/slide19.xml><?xml version="1.0" encoding="utf-8"?>
+<file path=ppt/slides/slide22.xml><?xml version="1.0" encoding="utf-8"?>
 <p:sld xmlns:a="http://schemas.openxmlformats.org/drawingml/2006/main" xmlns:r="http://schemas.openxmlformats.org/officeDocument/2006/relationships" xmlns:p="http://schemas.openxmlformats.org/presentationml/2006/main">
   <p:cSld>
     <p:spTree>
@@ -18522,119 +18972,11 @@
             </a:r>
             <a:endParaRPr lang="en-US"/>
           </a:p>
-        </p:txBody>
-      </p:sp>
-    </p:spTree>
-  </p:cSld>
-  <p:clrMapOvr>
-    <a:masterClrMapping/>
-  </p:clrMapOvr>
-</p:sld>
-</file>
-
-<file path=ppt/slides/slide2.xml><?xml version="1.0" encoding="utf-8"?>
-<p:sld xmlns:a="http://schemas.openxmlformats.org/drawingml/2006/main" xmlns:r="http://schemas.openxmlformats.org/officeDocument/2006/relationships" xmlns:p="http://schemas.openxmlformats.org/presentationml/2006/main">
-  <p:cSld>
-    <p:spTree>
-      <p:nvGrpSpPr>
-        <p:cNvPr id="1" name=""/>
-        <p:cNvGrpSpPr/>
-        <p:nvPr/>
-      </p:nvGrpSpPr>
-      <p:grpSpPr/>
-      <p:sp>
-        <p:nvSpPr>
-          <p:cNvPr id="2" name="Title 1"/>
-          <p:cNvSpPr>
-            <a:spLocks noGrp="1"/>
-          </p:cNvSpPr>
-          <p:nvPr>
-            <p:ph type="title"/>
-          </p:nvPr>
-        </p:nvSpPr>
-        <p:spPr/>
-        <p:txBody>
-          <a:bodyPr/>
           <a:p>
             <a:r>
               <a:rPr lang="en-US"/>
-              <a:t>Introduction</a:t>
+              <a:t>https://www.crazygames.com/</a:t>
             </a:r>
-            <a:endParaRPr lang="en-US"/>
-          </a:p>
-        </p:txBody>
-      </p:sp>
-      <p:sp>
-        <p:nvSpPr>
-          <p:cNvPr id="3" name="Content Placeholder 2"/>
-          <p:cNvSpPr>
-            <a:spLocks noGrp="1"/>
-          </p:cNvSpPr>
-          <p:nvPr>
-            <p:ph idx="1"/>
-          </p:nvPr>
-        </p:nvSpPr>
-        <p:spPr/>
-        <p:txBody>
-          <a:bodyPr/>
-          <a:p>
-            <a:pPr marL="0" indent="0" algn="just">
-              <a:lnSpc>
-                <a:spcPct val="110000"/>
-              </a:lnSpc>
-              <a:buNone/>
-            </a:pPr>
-            <a:r>
-              <a:rPr lang="en-US" sz="2000"/>
-              <a:t>Our gaming website is a platform that offers players access to a wide range of online games, from action games to puzzle games .Our main objective is to provide users with a convenient, secure, and enjoyable online gaming experience</a:t>
-            </a:r>
-            <a:endParaRPr lang="en-US" sz="2000"/>
-          </a:p>
-          <a:p>
-            <a:pPr marL="0" indent="0" algn="just">
-              <a:lnSpc>
-                <a:spcPct val="110000"/>
-              </a:lnSpc>
-              <a:buNone/>
-            </a:pPr>
-            <a:endParaRPr lang="en-US" sz="2000"/>
-          </a:p>
-          <a:p>
-            <a:pPr marL="0" indent="0" algn="just">
-              <a:lnSpc>
-                <a:spcPct val="110000"/>
-              </a:lnSpc>
-              <a:buNone/>
-            </a:pPr>
-            <a:r>
-              <a:rPr lang="en-US" sz="2000"/>
-              <a:t>The Snake Game project is one of the exciting projects we have been working on. Our version of the game will come with improved graphics, sound effects, and a user-friendly interface.</a:t>
-            </a:r>
-            <a:endParaRPr lang="en-US" sz="2000"/>
-          </a:p>
-        </p:txBody>
-      </p:sp>
-      <p:sp>
-        <p:nvSpPr>
-          <p:cNvPr id="4" name="Text Box 3"/>
-          <p:cNvSpPr txBox="1"/>
-          <p:nvPr/>
-        </p:nvSpPr>
-        <p:spPr>
-          <a:xfrm>
-            <a:off x="-162560" y="4222750"/>
-            <a:ext cx="309880" cy="368300"/>
-          </a:xfrm>
-          <a:prstGeom prst="rect">
-            <a:avLst/>
-          </a:prstGeom>
-          <a:noFill/>
-        </p:spPr>
-        <p:txBody>
-          <a:bodyPr wrap="none" rtlCol="0">
-            <a:spAutoFit/>
-          </a:bodyPr>
-          <a:p>
             <a:endParaRPr lang="en-US"/>
           </a:p>
         </p:txBody>
@@ -18647,7 +18989,7 @@
 </p:sld>
 </file>
 
-<file path=ppt/slides/slide20.xml><?xml version="1.0" encoding="utf-8"?>
+<file path=ppt/slides/slide23.xml><?xml version="1.0" encoding="utf-8"?>
 <p:sld xmlns:a="http://schemas.openxmlformats.org/drawingml/2006/main" xmlns:r="http://schemas.openxmlformats.org/officeDocument/2006/relationships" xmlns:p="http://schemas.openxmlformats.org/presentationml/2006/main">
   <p:cSld>
     <p:spTree>
@@ -19210,16 +19552,21 @@
           <a:bodyPr/>
           <a:p>
             <a:r>
-              <a:rPr lang="en-US"/>
+              <a:rPr lang="en-US">
+                <a:sym typeface="+mn-ea"/>
+              </a:rPr>
               <a:t>Signup page </a:t>
             </a:r>
+            <a:br>
+              <a:rPr lang="en-US"/>
+            </a:br>
             <a:endParaRPr lang="en-US"/>
           </a:p>
         </p:txBody>
       </p:sp>
       <p:pic>
         <p:nvPicPr>
-          <p:cNvPr id="5" name="Content Placeholder 4" descr="Screenshot 2023-03-19 160752"/>
+          <p:cNvPr id="4" name="Content Placeholder 3" descr="Screenshot 2023-04-02 223250"/>
           <p:cNvPicPr>
             <a:picLocks noChangeAspect="1"/>
           </p:cNvPicPr>
@@ -19235,8 +19582,8 @@
         </p:blipFill>
         <p:spPr>
           <a:xfrm>
-            <a:off x="1124585" y="1417955"/>
-            <a:ext cx="9942830" cy="4526280"/>
+            <a:off x="1213485" y="1600200"/>
+            <a:ext cx="9763760" cy="4526280"/>
           </a:xfrm>
           <a:prstGeom prst="rect">
             <a:avLst/>
@@ -19245,13 +19592,13 @@
       </p:pic>
       <p:sp>
         <p:nvSpPr>
-          <p:cNvPr id="3" name="Text Box 2"/>
+          <p:cNvPr id="5" name="Text Box 4"/>
           <p:cNvSpPr txBox="1"/>
           <p:nvPr/>
         </p:nvSpPr>
         <p:spPr>
           <a:xfrm>
-            <a:off x="4785360" y="6145530"/>
+            <a:off x="4943475" y="6236970"/>
             <a:ext cx="2303780" cy="368300"/>
           </a:xfrm>
           <a:prstGeom prst="rect">
@@ -19307,16 +19654,26 @@
           <a:bodyPr/>
           <a:p>
             <a:r>
-              <a:rPr lang="en-US"/>
-              <a:t>login page </a:t>
+              <a:rPr lang="en-US">
+                <a:sym typeface="+mn-ea"/>
+              </a:rPr>
+              <a:t>Signup page </a:t>
             </a:r>
-            <a:endParaRPr lang="en-US"/>
+            <a:r>
+              <a:rPr lang="en-GB" altLang="en-US">
+                <a:sym typeface="+mn-ea"/>
+              </a:rPr>
+              <a:t> with chatbot</a:t>
+            </a:r>
+            <a:endParaRPr lang="en-GB" altLang="en-US">
+              <a:sym typeface="+mn-ea"/>
+            </a:endParaRPr>
           </a:p>
         </p:txBody>
       </p:sp>
       <p:pic>
         <p:nvPicPr>
-          <p:cNvPr id="6" name="Content Placeholder 5" descr="Screenshot 2023-03-19 160819"/>
+          <p:cNvPr id="4" name="Content Placeholder 3" descr="Screenshot 2023-04-02 223513"/>
           <p:cNvPicPr>
             <a:picLocks noChangeAspect="1"/>
           </p:cNvPicPr>
@@ -19332,8 +19689,8 @@
         </p:blipFill>
         <p:spPr>
           <a:xfrm>
-            <a:off x="1063625" y="1600200"/>
-            <a:ext cx="10064115" cy="4526280"/>
+            <a:off x="1205230" y="1600200"/>
+            <a:ext cx="9780905" cy="4526280"/>
           </a:xfrm>
           <a:prstGeom prst="rect">
             <a:avLst/>
@@ -19342,14 +19699,14 @@
       </p:pic>
       <p:sp>
         <p:nvSpPr>
-          <p:cNvPr id="3" name="Text Box 2"/>
+          <p:cNvPr id="5" name="Text Box 4"/>
           <p:cNvSpPr txBox="1"/>
           <p:nvPr/>
         </p:nvSpPr>
         <p:spPr>
           <a:xfrm>
-            <a:off x="4785360" y="6308725"/>
-            <a:ext cx="2087880" cy="368300"/>
+            <a:off x="5015230" y="6308725"/>
+            <a:ext cx="3586480" cy="368300"/>
           </a:xfrm>
           <a:prstGeom prst="rect">
             <a:avLst/>
@@ -19365,9 +19722,17 @@
               <a:rPr lang="en-US">
                 <a:sym typeface="+mn-ea"/>
               </a:rPr>
-              <a:t>Figure: Login page</a:t>
+              <a:t>Figure: Signup  page</a:t>
             </a:r>
-            <a:endParaRPr lang="en-US"/>
+            <a:r>
+              <a:rPr lang="en-GB" altLang="en-US">
+                <a:sym typeface="+mn-ea"/>
+              </a:rPr>
+              <a:t> with chatbot</a:t>
+            </a:r>
+            <a:endParaRPr lang="en-GB" altLang="en-US">
+              <a:sym typeface="+mn-ea"/>
+            </a:endParaRPr>
           </a:p>
         </p:txBody>
       </p:sp>
